--- a/examples/credit_card_fraud/credit_card_example.pptx
+++ b/examples/credit_card_fraud/credit_card_example.pptx
@@ -7822,18 +7822,7 @@
                   </a:schemeClr>
                 </a:solidFill>
               </a:rPr>
-              <a:t>autoencode</a:t>
-            </a:r>
-            <a:r>
-              <a:rPr lang="en-US" dirty="0" err="1" smtClean="0">
-                <a:solidFill>
-                  <a:schemeClr val="tx1">
-                    <a:lumMod val="95000"/>
-                    <a:lumOff val="5000"/>
-                  </a:schemeClr>
-                </a:solidFill>
-              </a:rPr>
-              <a:t>r</a:t>
+              <a:t>autoencoder</a:t>
             </a:r>
             <a:r>
               <a:rPr lang="en-US" dirty="0" smtClean="0">
@@ -7969,17 +7958,6 @@
                 </a:solidFill>
               </a:rPr>
               <a:t>(Repeat the process to find best threshold value)</a:t>
-            </a:r>
-            <a:r>
-              <a:rPr lang="en-US" dirty="0" smtClean="0">
-                <a:solidFill>
-                  <a:schemeClr val="tx1">
-                    <a:lumMod val="95000"/>
-                    <a:lumOff val="5000"/>
-                  </a:schemeClr>
-                </a:solidFill>
-              </a:rPr>
-              <a:t/>
             </a:r>
             <a:br>
               <a:rPr lang="en-US" dirty="0" smtClean="0">
